--- a/Apr11.pptx
+++ b/Apr11.pptx
@@ -133,6 +133,11 @@
       </a:defRPr>
     </a:lvl9pPr>
   </p:defaultTextStyle>
+  <p:extLst>
+    <p:ext uri="{EFAFB233-063F-42B5-8137-9DF3F51BA10A}">
+      <p15:sldGuideLst xmlns:p15="http://schemas.microsoft.com/office/powerpoint/2012/main"/>
+    </p:ext>
+  </p:extLst>
 </p:presentation>
 </file>
 
@@ -218,7 +223,7 @@
           <a:p>
             <a:fld id="{A4D9321A-B00E-2E40-8078-004C905C13CB}" type="datetimeFigureOut">
               <a:rPr lang="en-US" smtClean="0"/>
-              <a:t>4/10/19</a:t>
+              <a:t>4/11/19</a:t>
             </a:fld>
             <a:endParaRPr lang="en-US"/>
           </a:p>
@@ -529,10 +534,7 @@
           <a:bodyPr/>
           <a:lstStyle/>
           <a:p>
-            <a:r>
-              <a:rPr lang="en-US" dirty="0"/>
-              <a:t>Actually, I will go through the analysis of ELI dataset. Then employ the spell checker on my data. So, it may be more proper to name my project as Utilizing spell checker on ELI dataset.</a:t>
-            </a:r>
+            <a:endParaRPr lang="en-US" dirty="0"/>
           </a:p>
         </p:txBody>
       </p:sp>
@@ -553,7 +555,7 @@
           <a:p>
             <a:fld id="{CC08D76D-F7F2-6047-9A8A-533845994D80}" type="slidenum">
               <a:rPr lang="en-US" smtClean="0"/>
-              <a:t>2</a:t>
+              <a:t>1</a:t>
             </a:fld>
             <a:endParaRPr lang="en-US"/>
           </a:p>
@@ -562,7 +564,7 @@
     </p:spTree>
     <p:extLst>
       <p:ext uri="{BB962C8B-B14F-4D97-AF65-F5344CB8AC3E}">
-        <p14:creationId xmlns:p14="http://schemas.microsoft.com/office/powerpoint/2010/main" val="2754838227"/>
+        <p14:creationId xmlns:p14="http://schemas.microsoft.com/office/powerpoint/2010/main" val="3838524119"/>
       </p:ext>
     </p:extLst>
   </p:cSld>
@@ -617,71 +619,9 @@
           <a:lstStyle/>
           <a:p>
             <a:r>
-              <a:rPr lang="en-US" sz="3600" i="1" dirty="0"/>
-              <a:t>P(A): </a:t>
-            </a:r>
-            <a:r>
-              <a:rPr lang="en-US" sz="3600" dirty="0"/>
-              <a:t>the probability of A occurring</a:t>
-            </a:r>
-          </a:p>
-          <a:p>
-            <a:r>
-              <a:rPr lang="en-US" sz="3600" i="1" dirty="0"/>
-              <a:t>P(A|B): </a:t>
-            </a:r>
-            <a:r>
-              <a:rPr lang="en-US" sz="3600" dirty="0"/>
-              <a:t>Conditional probability</a:t>
-            </a:r>
-          </a:p>
-          <a:p>
-            <a:pPr lvl="1"/>
-            <a:r>
-              <a:rPr lang="en-US" sz="3200" dirty="0"/>
-              <a:t>the probability of A occurring, given that B has occurred</a:t>
-            </a:r>
-          </a:p>
-          <a:p>
-            <a:r>
-              <a:rPr lang="en-US" sz="3600" i="1" dirty="0"/>
-              <a:t>P(A, B): </a:t>
-            </a:r>
-            <a:r>
-              <a:rPr lang="en-US" sz="3600" dirty="0"/>
-              <a:t>Joint probability</a:t>
-            </a:r>
-          </a:p>
-          <a:p>
-            <a:pPr lvl="1"/>
-            <a:r>
-              <a:rPr lang="en-US" sz="3200" dirty="0"/>
-              <a:t>the probability of A occurring and B occurring</a:t>
-            </a:r>
-          </a:p>
-          <a:p>
-            <a:pPr lvl="1"/>
-            <a:r>
-              <a:rPr lang="en-US" sz="3200" dirty="0"/>
-              <a:t>Same as P(B, A).</a:t>
-            </a:r>
-          </a:p>
-          <a:p>
-            <a:pPr lvl="1"/>
-            <a:r>
-              <a:rPr lang="en-US" sz="3200" dirty="0"/>
-              <a:t>If A and B are independent events, same as P(A)*P(B).</a:t>
-            </a:r>
-          </a:p>
-          <a:p>
-            <a:pPr lvl="1"/>
-            <a:r>
-              <a:rPr lang="en-US" sz="3200" dirty="0"/>
-              <a:t>If not, same as P(A|B)*P(B) and also P(B|A)*P(A).</a:t>
-            </a:r>
-            <a:endParaRPr lang="en-US" sz="3200" dirty="0">
-              <a:effectLst/>
-            </a:endParaRPr>
+              <a:rPr lang="en-US" dirty="0"/>
+              <a:t>Actually, I will go through the analysis of ELI dataset. Then employ the spell checker on my data. So, it may be more proper to name my project as Utilizing spell checker on ELI dataset.</a:t>
+            </a:r>
           </a:p>
         </p:txBody>
       </p:sp>
@@ -702,7 +642,7 @@
           <a:p>
             <a:fld id="{CC08D76D-F7F2-6047-9A8A-533845994D80}" type="slidenum">
               <a:rPr lang="en-US" smtClean="0"/>
-              <a:t>4</a:t>
+              <a:t>2</a:t>
             </a:fld>
             <a:endParaRPr lang="en-US"/>
           </a:p>
@@ -711,7 +651,7 @@
     </p:spTree>
     <p:extLst>
       <p:ext uri="{BB962C8B-B14F-4D97-AF65-F5344CB8AC3E}">
-        <p14:creationId xmlns:p14="http://schemas.microsoft.com/office/powerpoint/2010/main" val="1754496510"/>
+        <p14:creationId xmlns:p14="http://schemas.microsoft.com/office/powerpoint/2010/main" val="2754838227"/>
       </p:ext>
     </p:extLst>
   </p:cSld>
@@ -766,17 +706,71 @@
           <a:lstStyle/>
           <a:p>
             <a:r>
-              <a:rPr lang="zh-TW" altLang="en-US" dirty="0"/>
-              <a:t>屬性</a:t>
-            </a:r>
-            <a:r>
-              <a:rPr lang="en-US" altLang="zh-TW" dirty="0"/>
-              <a:t> </a:t>
-            </a:r>
-            <a:r>
-              <a:rPr lang="en-US" dirty="0"/>
-              <a:t>Attributes</a:t>
-            </a:r>
+              <a:rPr lang="en-US" sz="3600" i="1" dirty="0"/>
+              <a:t>P(A): </a:t>
+            </a:r>
+            <a:r>
+              <a:rPr lang="en-US" sz="3600" dirty="0"/>
+              <a:t>the probability of A occurring</a:t>
+            </a:r>
+          </a:p>
+          <a:p>
+            <a:r>
+              <a:rPr lang="en-US" sz="3600" i="1" dirty="0"/>
+              <a:t>P(A|B): </a:t>
+            </a:r>
+            <a:r>
+              <a:rPr lang="en-US" sz="3600" dirty="0"/>
+              <a:t>Conditional probability</a:t>
+            </a:r>
+          </a:p>
+          <a:p>
+            <a:pPr lvl="1"/>
+            <a:r>
+              <a:rPr lang="en-US" sz="3200" dirty="0"/>
+              <a:t>the probability of A occurring, given that B has occurred</a:t>
+            </a:r>
+          </a:p>
+          <a:p>
+            <a:r>
+              <a:rPr lang="en-US" sz="3600" i="1" dirty="0"/>
+              <a:t>P(A, B): </a:t>
+            </a:r>
+            <a:r>
+              <a:rPr lang="en-US" sz="3600" dirty="0"/>
+              <a:t>Joint probability</a:t>
+            </a:r>
+          </a:p>
+          <a:p>
+            <a:pPr lvl="1"/>
+            <a:r>
+              <a:rPr lang="en-US" sz="3200" dirty="0"/>
+              <a:t>the probability of A occurring and B occurring</a:t>
+            </a:r>
+          </a:p>
+          <a:p>
+            <a:pPr lvl="1"/>
+            <a:r>
+              <a:rPr lang="en-US" sz="3200" dirty="0"/>
+              <a:t>Same as P(B, A).</a:t>
+            </a:r>
+          </a:p>
+          <a:p>
+            <a:pPr lvl="1"/>
+            <a:r>
+              <a:rPr lang="en-US" sz="3200" dirty="0"/>
+              <a:t>If A and B are independent events, same as P(A)*P(B).</a:t>
+            </a:r>
+          </a:p>
+          <a:p>
+            <a:pPr lvl="1"/>
+            <a:r>
+              <a:rPr lang="en-US" sz="3200" dirty="0"/>
+              <a:t>If not, same as P(A|B)*P(B) and also P(B|A)*P(A).</a:t>
+            </a:r>
+            <a:endParaRPr lang="en-US" sz="3200" dirty="0">
+              <a:effectLst/>
+            </a:endParaRPr>
           </a:p>
         </p:txBody>
       </p:sp>
@@ -797,7 +791,7 @@
           <a:p>
             <a:fld id="{CC08D76D-F7F2-6047-9A8A-533845994D80}" type="slidenum">
               <a:rPr lang="en-US" smtClean="0"/>
-              <a:t>6</a:t>
+              <a:t>4</a:t>
             </a:fld>
             <a:endParaRPr lang="en-US"/>
           </a:p>
@@ -806,7 +800,7 @@
     </p:spTree>
     <p:extLst>
       <p:ext uri="{BB962C8B-B14F-4D97-AF65-F5344CB8AC3E}">
-        <p14:creationId xmlns:p14="http://schemas.microsoft.com/office/powerpoint/2010/main" val="1598935018"/>
+        <p14:creationId xmlns:p14="http://schemas.microsoft.com/office/powerpoint/2010/main" val="1754496510"/>
       </p:ext>
     </p:extLst>
   </p:cSld>
@@ -861,8 +855,16 @@
           <a:lstStyle/>
           <a:p>
             <a:r>
+              <a:rPr lang="zh-TW" altLang="en-US" dirty="0"/>
+              <a:t>屬性</a:t>
+            </a:r>
+            <a:r>
+              <a:rPr lang="en-US" altLang="zh-TW" dirty="0"/>
+              <a:t> </a:t>
+            </a:r>
+            <a:r>
               <a:rPr lang="en-US" dirty="0"/>
-              <a:t>1/10 for fair use</a:t>
+              <a:t>Attributes</a:t>
             </a:r>
           </a:p>
         </p:txBody>
@@ -884,7 +886,7 @@
           <a:p>
             <a:fld id="{CC08D76D-F7F2-6047-9A8A-533845994D80}" type="slidenum">
               <a:rPr lang="en-US" smtClean="0"/>
-              <a:t>9</a:t>
+              <a:t>6</a:t>
             </a:fld>
             <a:endParaRPr lang="en-US"/>
           </a:p>
@@ -893,7 +895,7 @@
     </p:spTree>
     <p:extLst>
       <p:ext uri="{BB962C8B-B14F-4D97-AF65-F5344CB8AC3E}">
-        <p14:creationId xmlns:p14="http://schemas.microsoft.com/office/powerpoint/2010/main" val="1694804671"/>
+        <p14:creationId xmlns:p14="http://schemas.microsoft.com/office/powerpoint/2010/main" val="1598935018"/>
       </p:ext>
     </p:extLst>
   </p:cSld>
@@ -949,6 +951,93 @@
           <a:p>
             <a:r>
               <a:rPr lang="en-US" dirty="0"/>
+              <a:t>1/10 for fair use</a:t>
+            </a:r>
+          </a:p>
+        </p:txBody>
+      </p:sp>
+      <p:sp>
+        <p:nvSpPr>
+          <p:cNvPr id="4" name="Slide Number Placeholder 3"/>
+          <p:cNvSpPr>
+            <a:spLocks noGrp="1"/>
+          </p:cNvSpPr>
+          <p:nvPr>
+            <p:ph type="sldNum" sz="quarter" idx="5"/>
+          </p:nvPr>
+        </p:nvSpPr>
+        <p:spPr/>
+        <p:txBody>
+          <a:bodyPr/>
+          <a:lstStyle/>
+          <a:p>
+            <a:fld id="{CC08D76D-F7F2-6047-9A8A-533845994D80}" type="slidenum">
+              <a:rPr lang="en-US" smtClean="0"/>
+              <a:t>9</a:t>
+            </a:fld>
+            <a:endParaRPr lang="en-US"/>
+          </a:p>
+        </p:txBody>
+      </p:sp>
+    </p:spTree>
+    <p:extLst>
+      <p:ext uri="{BB962C8B-B14F-4D97-AF65-F5344CB8AC3E}">
+        <p14:creationId xmlns:p14="http://schemas.microsoft.com/office/powerpoint/2010/main" val="1694804671"/>
+      </p:ext>
+    </p:extLst>
+  </p:cSld>
+  <p:clrMapOvr>
+    <a:masterClrMapping/>
+  </p:clrMapOvr>
+</p:notes>
+</file>
+
+<file path=ppt/notesSlides/notesSlide6.xml><?xml version="1.0" encoding="utf-8"?>
+<p:notes xmlns:a="http://schemas.openxmlformats.org/drawingml/2006/main" xmlns:r="http://schemas.openxmlformats.org/officeDocument/2006/relationships" xmlns:p="http://schemas.openxmlformats.org/presentationml/2006/main">
+  <p:cSld>
+    <p:spTree>
+      <p:nvGrpSpPr>
+        <p:cNvPr id="1" name=""/>
+        <p:cNvGrpSpPr/>
+        <p:nvPr/>
+      </p:nvGrpSpPr>
+      <p:grpSpPr>
+        <a:xfrm>
+          <a:off x="0" y="0"/>
+          <a:ext cx="0" cy="0"/>
+          <a:chOff x="0" y="0"/>
+          <a:chExt cx="0" cy="0"/>
+        </a:xfrm>
+      </p:grpSpPr>
+      <p:sp>
+        <p:nvSpPr>
+          <p:cNvPr id="2" name="Slide Image Placeholder 1"/>
+          <p:cNvSpPr>
+            <a:spLocks noGrp="1" noRot="1" noChangeAspect="1"/>
+          </p:cNvSpPr>
+          <p:nvPr>
+            <p:ph type="sldImg"/>
+          </p:nvPr>
+        </p:nvSpPr>
+        <p:spPr/>
+      </p:sp>
+      <p:sp>
+        <p:nvSpPr>
+          <p:cNvPr id="3" name="Notes Placeholder 2"/>
+          <p:cNvSpPr>
+            <a:spLocks noGrp="1"/>
+          </p:cNvSpPr>
+          <p:nvPr>
+            <p:ph type="body" idx="1"/>
+          </p:nvPr>
+        </p:nvSpPr>
+        <p:spPr/>
+        <p:txBody>
+          <a:bodyPr/>
+          <a:lstStyle/>
+          <a:p>
+            <a:r>
+              <a:rPr lang="en-US" dirty="0"/>
               <a:t>Without tokens count, because my data is not made up with all essays.</a:t>
             </a:r>
           </a:p>
@@ -999,7 +1088,7 @@
 </p:notes>
 </file>
 
-<file path=ppt/notesSlides/notesSlide6.xml><?xml version="1.0" encoding="utf-8"?>
+<file path=ppt/notesSlides/notesSlide7.xml><?xml version="1.0" encoding="utf-8"?>
 <p:notes xmlns:a="http://schemas.openxmlformats.org/drawingml/2006/main" xmlns:r="http://schemas.openxmlformats.org/officeDocument/2006/relationships" xmlns:p="http://schemas.openxmlformats.org/presentationml/2006/main">
   <p:cSld>
     <p:spTree>
@@ -1312,7 +1401,7 @@
           <a:p>
             <a:fld id="{69A5DF45-A99A-9D4E-B168-C8A663A0DD34}" type="datetimeFigureOut">
               <a:rPr lang="en-US" smtClean="0"/>
-              <a:t>4/7/19</a:t>
+              <a:t>4/11/19</a:t>
             </a:fld>
             <a:endParaRPr lang="en-US"/>
           </a:p>
@@ -1650,7 +1739,7 @@
           <a:p>
             <a:fld id="{69A5DF45-A99A-9D4E-B168-C8A663A0DD34}" type="datetimeFigureOut">
               <a:rPr lang="en-US" smtClean="0"/>
-              <a:t>4/7/19</a:t>
+              <a:t>4/11/19</a:t>
             </a:fld>
             <a:endParaRPr lang="en-US"/>
           </a:p>
@@ -2051,7 +2140,7 @@
           <a:p>
             <a:fld id="{69A5DF45-A99A-9D4E-B168-C8A663A0DD34}" type="datetimeFigureOut">
               <a:rPr lang="en-US" smtClean="0"/>
-              <a:t>4/7/19</a:t>
+              <a:t>4/11/19</a:t>
             </a:fld>
             <a:endParaRPr lang="en-US"/>
           </a:p>
@@ -2387,7 +2476,7 @@
           <a:p>
             <a:fld id="{69A5DF45-A99A-9D4E-B168-C8A663A0DD34}" type="datetimeFigureOut">
               <a:rPr lang="en-US" smtClean="0"/>
-              <a:t>4/7/19</a:t>
+              <a:t>4/11/19</a:t>
             </a:fld>
             <a:endParaRPr lang="en-US"/>
           </a:p>
@@ -2707,7 +2796,7 @@
           <a:p>
             <a:fld id="{69A5DF45-A99A-9D4E-B168-C8A663A0DD34}" type="datetimeFigureOut">
               <a:rPr lang="en-US" smtClean="0"/>
-              <a:t>4/7/19</a:t>
+              <a:t>4/11/19</a:t>
             </a:fld>
             <a:endParaRPr lang="en-US"/>
           </a:p>
@@ -3103,7 +3192,7 @@
           <a:p>
             <a:fld id="{69A5DF45-A99A-9D4E-B168-C8A663A0DD34}" type="datetimeFigureOut">
               <a:rPr lang="en-US" smtClean="0"/>
-              <a:t>4/7/19</a:t>
+              <a:t>4/11/19</a:t>
             </a:fld>
             <a:endParaRPr lang="en-US"/>
           </a:p>
@@ -3360,7 +3449,7 @@
           <a:p>
             <a:fld id="{69A5DF45-A99A-9D4E-B168-C8A663A0DD34}" type="datetimeFigureOut">
               <a:rPr lang="en-US" smtClean="0"/>
-              <a:t>4/7/19</a:t>
+              <a:t>4/11/19</a:t>
             </a:fld>
             <a:endParaRPr lang="en-US"/>
           </a:p>
@@ -3622,7 +3711,7 @@
           <a:p>
             <a:fld id="{69A5DF45-A99A-9D4E-B168-C8A663A0DD34}" type="datetimeFigureOut">
               <a:rPr lang="en-US" smtClean="0"/>
-              <a:t>4/7/19</a:t>
+              <a:t>4/11/19</a:t>
             </a:fld>
             <a:endParaRPr lang="en-US"/>
           </a:p>
@@ -3884,7 +3973,7 @@
           <a:p>
             <a:fld id="{69A5DF45-A99A-9D4E-B168-C8A663A0DD34}" type="datetimeFigureOut">
               <a:rPr lang="en-US" smtClean="0"/>
-              <a:t>4/7/19</a:t>
+              <a:t>4/11/19</a:t>
             </a:fld>
             <a:endParaRPr lang="en-US"/>
           </a:p>
@@ -4213,7 +4302,7 @@
           <a:p>
             <a:fld id="{69A5DF45-A99A-9D4E-B168-C8A663A0DD34}" type="datetimeFigureOut">
               <a:rPr lang="en-US" smtClean="0"/>
-              <a:t>4/7/19</a:t>
+              <a:t>4/11/19</a:t>
             </a:fld>
             <a:endParaRPr lang="en-US"/>
           </a:p>
@@ -4536,7 +4625,7 @@
           <a:p>
             <a:fld id="{69A5DF45-A99A-9D4E-B168-C8A663A0DD34}" type="datetimeFigureOut">
               <a:rPr lang="en-US" smtClean="0"/>
-              <a:t>4/7/19</a:t>
+              <a:t>4/11/19</a:t>
             </a:fld>
             <a:endParaRPr lang="en-US"/>
           </a:p>
@@ -4993,7 +5082,7 @@
           <a:p>
             <a:fld id="{69A5DF45-A99A-9D4E-B168-C8A663A0DD34}" type="datetimeFigureOut">
               <a:rPr lang="en-US" smtClean="0"/>
-              <a:t>4/7/19</a:t>
+              <a:t>4/11/19</a:t>
             </a:fld>
             <a:endParaRPr lang="en-US"/>
           </a:p>
@@ -5198,7 +5287,7 @@
           <a:p>
             <a:fld id="{69A5DF45-A99A-9D4E-B168-C8A663A0DD34}" type="datetimeFigureOut">
               <a:rPr lang="en-US" smtClean="0"/>
-              <a:t>4/7/19</a:t>
+              <a:t>4/11/19</a:t>
             </a:fld>
             <a:endParaRPr lang="en-US"/>
           </a:p>
@@ -5375,7 +5464,7 @@
           <a:p>
             <a:fld id="{69A5DF45-A99A-9D4E-B168-C8A663A0DD34}" type="datetimeFigureOut">
               <a:rPr lang="en-US" smtClean="0"/>
-              <a:t>4/7/19</a:t>
+              <a:t>4/11/19</a:t>
             </a:fld>
             <a:endParaRPr lang="en-US"/>
           </a:p>
@@ -5708,7 +5797,7 @@
           <a:p>
             <a:fld id="{69A5DF45-A99A-9D4E-B168-C8A663A0DD34}" type="datetimeFigureOut">
               <a:rPr lang="en-US" smtClean="0"/>
-              <a:t>4/7/19</a:t>
+              <a:t>4/11/19</a:t>
             </a:fld>
             <a:endParaRPr lang="en-US"/>
           </a:p>
@@ -6053,7 +6142,7 @@
           <a:p>
             <a:fld id="{69A5DF45-A99A-9D4E-B168-C8A663A0DD34}" type="datetimeFigureOut">
               <a:rPr lang="en-US" smtClean="0"/>
-              <a:t>4/7/19</a:t>
+              <a:t>4/11/19</a:t>
             </a:fld>
             <a:endParaRPr lang="en-US"/>
           </a:p>
@@ -8107,7 +8196,7 @@
           <a:p>
             <a:fld id="{69A5DF45-A99A-9D4E-B168-C8A663A0DD34}" type="datetimeFigureOut">
               <a:rPr lang="en-US" smtClean="0"/>
-              <a:t>4/7/19</a:t>
+              <a:t>4/11/19</a:t>
             </a:fld>
             <a:endParaRPr lang="en-US"/>
           </a:p>
